--- a/documentation/Drivioo's presentation 1.pptx
+++ b/documentation/Drivioo's presentation 1.pptx
@@ -21,37 +21,30 @@
   <p:notesSz cx="6858000" cy="9144000"/>
   <p:embeddedFontLst>
     <p:embeddedFont>
-      <p:font typeface="Be Vietnam Pro Medium" panose="020B0604020202020204" charset="0"/>
+      <p:font typeface="Be Vietnam Pro" panose="020B0604020202020204" charset="0"/>
       <p:regular r:id="rId11"/>
       <p:bold r:id="rId12"/>
       <p:italic r:id="rId13"/>
       <p:boldItalic r:id="rId14"/>
     </p:embeddedFont>
     <p:embeddedFont>
-      <p:font typeface="League Spartan" panose="020B0604020202020204" charset="0"/>
+      <p:font typeface="Be Vietnam Pro Medium" panose="020B0604020202020204" charset="0"/>
       <p:regular r:id="rId15"/>
       <p:bold r:id="rId16"/>
-    </p:embeddedFont>
-    <p:embeddedFont>
-      <p:font typeface="Be Vietnam Pro" panose="020B0604020202020204" charset="0"/>
-      <p:regular r:id="rId17"/>
-      <p:bold r:id="rId18"/>
-      <p:italic r:id="rId19"/>
-      <p:boldItalic r:id="rId20"/>
-    </p:embeddedFont>
-    <p:embeddedFont>
-      <p:font typeface="Be Vietnam Pro Thin" panose="020B0604020202020204" charset="0"/>
-      <p:regular r:id="rId21"/>
-      <p:bold r:id="rId22"/>
-      <p:italic r:id="rId23"/>
-      <p:boldItalic r:id="rId24"/>
+      <p:italic r:id="rId17"/>
+      <p:boldItalic r:id="rId18"/>
     </p:embeddedFont>
     <p:embeddedFont>
       <p:font typeface="Georgia" panose="02040502050405020303" pitchFamily="18" charset="0"/>
-      <p:regular r:id="rId25"/>
-      <p:bold r:id="rId26"/>
-      <p:italic r:id="rId27"/>
-      <p:boldItalic r:id="rId28"/>
+      <p:regular r:id="rId19"/>
+      <p:bold r:id="rId20"/>
+      <p:italic r:id="rId21"/>
+      <p:boldItalic r:id="rId22"/>
+    </p:embeddedFont>
+    <p:embeddedFont>
+      <p:font typeface="League Spartan" panose="020B0604020202020204" charset="0"/>
+      <p:regular r:id="rId23"/>
+      <p:bold r:id="rId24"/>
     </p:embeddedFont>
   </p:embeddedFontLst>
   <p:defaultTextStyle>
@@ -1065,7 +1058,7 @@
         <a:p>
           <a:pPr algn="l"/>
           <a:r>
-            <a:rPr lang="af-ZA" sz="1800" dirty="0" smtClean="0">
+            <a:rPr lang="af-ZA" sz="1800" dirty="0">
               <a:effectLst>
                 <a:outerShdw blurRad="38100" dist="38100" dir="2700000" algn="tl">
                   <a:srgbClr val="000000">
@@ -1136,7 +1129,7 @@
         <a:lstStyle/>
         <a:p>
           <a:r>
-            <a:rPr lang="en-US" sz="1800" b="0" i="0" u="none" dirty="0" smtClean="0">
+            <a:rPr lang="en-US" sz="1800" b="0" i="0" u="none" dirty="0">
               <a:effectLst>
                 <a:outerShdw blurRad="38100" dist="38100" dir="2700000" algn="tl">
                   <a:srgbClr val="000000">
@@ -1149,7 +1142,7 @@
             <a:t> Work on the project</a:t>
           </a:r>
           <a:r>
-            <a:rPr lang="en-US" sz="900" b="0" i="0" dirty="0" smtClean="0">
+            <a:rPr lang="en-US" sz="900" b="0" i="0" dirty="0">
               <a:effectLst>
                 <a:outerShdw blurRad="38100" dist="38100" dir="2700000" algn="tl">
                   <a:srgbClr val="000000">
@@ -1218,7 +1211,7 @@
         <a:lstStyle/>
         <a:p>
           <a:r>
-            <a:rPr lang="en-US" sz="1800" b="0" i="0" u="none" dirty="0" smtClean="0">
+            <a:rPr lang="en-US" sz="1800" b="0" i="0" u="none" dirty="0">
               <a:effectLst>
                 <a:outerShdw blurRad="38100" dist="38100" dir="2700000" algn="tl">
                   <a:srgbClr val="000000">
@@ -1231,7 +1224,7 @@
             <a:t> Testing             and debugging</a:t>
           </a:r>
           <a:r>
-            <a:rPr lang="en-US" sz="1800" b="0" i="0" dirty="0" smtClean="0">
+            <a:rPr lang="en-US" sz="1800" b="0" i="0" dirty="0">
               <a:effectLst>
                 <a:outerShdw blurRad="38100" dist="38100" dir="2700000" algn="tl">
                   <a:srgbClr val="000000">
@@ -1340,13 +1333,6 @@
         </dgm:presLayoutVars>
       </dgm:prSet>
       <dgm:spPr/>
-      <dgm:t>
-        <a:bodyPr/>
-        <a:lstStyle/>
-        <a:p>
-          <a:endParaRPr lang="en-US"/>
-        </a:p>
-      </dgm:t>
     </dgm:pt>
     <dgm:pt modelId="{CDFC99BD-C0D0-4612-A565-861CAEB3DEB3}" type="pres">
       <dgm:prSet presAssocID="{95142D51-57F2-4972-9AFB-423AC0971845}" presName="bullet3b" presStyleLbl="node1" presStyleIdx="1" presStyleCnt="3" custScaleX="85108" custScaleY="82462" custLinFactNeighborX="61467" custLinFactNeighborY="-23641"/>
@@ -1372,13 +1358,6 @@
         </dgm:presLayoutVars>
       </dgm:prSet>
       <dgm:spPr/>
-      <dgm:t>
-        <a:bodyPr/>
-        <a:lstStyle/>
-        <a:p>
-          <a:endParaRPr lang="en-US"/>
-        </a:p>
-      </dgm:t>
     </dgm:pt>
     <dgm:pt modelId="{8D477A21-ED4C-48B4-BA41-D82C97A31D8F}" type="pres">
       <dgm:prSet presAssocID="{962FE7B5-55A7-4DB1-B87D-21819D01CAFC}" presName="bullet3c" presStyleLbl="node1" presStyleIdx="2" presStyleCnt="3" custScaleX="107693" custScaleY="111122"/>
@@ -1404,22 +1383,15 @@
         </dgm:presLayoutVars>
       </dgm:prSet>
       <dgm:spPr/>
-      <dgm:t>
-        <a:bodyPr/>
-        <a:lstStyle/>
-        <a:p>
-          <a:endParaRPr lang="en-US"/>
-        </a:p>
-      </dgm:t>
     </dgm:pt>
   </dgm:ptLst>
   <dgm:cxnLst>
+    <dgm:cxn modelId="{3611B10A-E009-456A-8542-CED09C43D3EF}" srcId="{BDBC9748-88E8-414C-9931-6A2767F2B1FE}" destId="{962FE7B5-55A7-4DB1-B87D-21819D01CAFC}" srcOrd="2" destOrd="0" parTransId="{7E07F2B8-C721-471A-95DF-B341A85AAE59}" sibTransId="{02E163D4-1321-4043-85B0-E1D84503F244}"/>
+    <dgm:cxn modelId="{26818A1B-7D27-48A1-BB89-0ACC0B44FC32}" srcId="{BDBC9748-88E8-414C-9931-6A2767F2B1FE}" destId="{95142D51-57F2-4972-9AFB-423AC0971845}" srcOrd="1" destOrd="0" parTransId="{5B944819-132D-4692-8948-316A70200729}" sibTransId="{DFE0DD31-2EBC-4B8C-99BD-FA19D62FE8F8}"/>
+    <dgm:cxn modelId="{29FDC379-D828-4346-A449-438FF1975E74}" type="presOf" srcId="{CA94A263-FFD6-4465-B692-C0D89A5B477F}" destId="{2DCC93E6-F0AB-4576-A7F0-80A1442F2B72}" srcOrd="0" destOrd="0" presId="urn:microsoft.com/office/officeart/2005/8/layout/arrow2"/>
+    <dgm:cxn modelId="{4F23F38F-CC7E-4C2C-AA0E-5D497494D044}" srcId="{BDBC9748-88E8-414C-9931-6A2767F2B1FE}" destId="{CA94A263-FFD6-4465-B692-C0D89A5B477F}" srcOrd="0" destOrd="0" parTransId="{E4790DA5-2611-4D49-94BC-2905317B29E7}" sibTransId="{5DFDDBE7-F8B9-4346-92E9-C9624422225D}"/>
     <dgm:cxn modelId="{99DF5D9E-63F2-4ACD-A83E-A2687AAF193F}" type="presOf" srcId="{BDBC9748-88E8-414C-9931-6A2767F2B1FE}" destId="{EA9E83C1-FB3B-4581-BE25-5FD1528D32A0}" srcOrd="0" destOrd="0" presId="urn:microsoft.com/office/officeart/2005/8/layout/arrow2"/>
     <dgm:cxn modelId="{B571A2B2-0427-42F7-ADEE-C99B247A4C42}" type="presOf" srcId="{95142D51-57F2-4972-9AFB-423AC0971845}" destId="{8A732FF6-52EA-4448-BE97-B107316019DD}" srcOrd="0" destOrd="0" presId="urn:microsoft.com/office/officeart/2005/8/layout/arrow2"/>
-    <dgm:cxn modelId="{26818A1B-7D27-48A1-BB89-0ACC0B44FC32}" srcId="{BDBC9748-88E8-414C-9931-6A2767F2B1FE}" destId="{95142D51-57F2-4972-9AFB-423AC0971845}" srcOrd="1" destOrd="0" parTransId="{5B944819-132D-4692-8948-316A70200729}" sibTransId="{DFE0DD31-2EBC-4B8C-99BD-FA19D62FE8F8}"/>
-    <dgm:cxn modelId="{4F23F38F-CC7E-4C2C-AA0E-5D497494D044}" srcId="{BDBC9748-88E8-414C-9931-6A2767F2B1FE}" destId="{CA94A263-FFD6-4465-B692-C0D89A5B477F}" srcOrd="0" destOrd="0" parTransId="{E4790DA5-2611-4D49-94BC-2905317B29E7}" sibTransId="{5DFDDBE7-F8B9-4346-92E9-C9624422225D}"/>
-    <dgm:cxn modelId="{3611B10A-E009-456A-8542-CED09C43D3EF}" srcId="{BDBC9748-88E8-414C-9931-6A2767F2B1FE}" destId="{962FE7B5-55A7-4DB1-B87D-21819D01CAFC}" srcOrd="2" destOrd="0" parTransId="{7E07F2B8-C721-471A-95DF-B341A85AAE59}" sibTransId="{02E163D4-1321-4043-85B0-E1D84503F244}"/>
-    <dgm:cxn modelId="{29FDC379-D828-4346-A449-438FF1975E74}" type="presOf" srcId="{CA94A263-FFD6-4465-B692-C0D89A5B477F}" destId="{2DCC93E6-F0AB-4576-A7F0-80A1442F2B72}" srcOrd="0" destOrd="0" presId="urn:microsoft.com/office/officeart/2005/8/layout/arrow2"/>
     <dgm:cxn modelId="{6C8A43EA-B326-4844-B973-F466E881D788}" type="presOf" srcId="{962FE7B5-55A7-4DB1-B87D-21819D01CAFC}" destId="{077AFC11-3962-4F6F-A502-0B51615D1095}" srcOrd="0" destOrd="0" presId="urn:microsoft.com/office/officeart/2005/8/layout/arrow2"/>
     <dgm:cxn modelId="{7802CA5A-8775-4465-8EF9-4C8BD436FE63}" type="presParOf" srcId="{EA9E83C1-FB3B-4581-BE25-5FD1528D32A0}" destId="{3A6C0814-FB05-4355-8CAF-A4A8BF6D6BE4}" srcOrd="0" destOrd="0" presId="urn:microsoft.com/office/officeart/2005/8/layout/arrow2"/>
     <dgm:cxn modelId="{24A085B7-7D07-4CB0-89C5-C0FE5373D2AA}" type="presParOf" srcId="{EA9E83C1-FB3B-4581-BE25-5FD1528D32A0}" destId="{76DA53D0-A782-48F6-AF43-E6BEB3C70216}" srcOrd="1" destOrd="0" presId="urn:microsoft.com/office/officeart/2005/8/layout/arrow2"/>
@@ -1573,7 +1545,7 @@
         </a:bodyPr>
         <a:lstStyle/>
         <a:p>
-          <a:pPr lvl="0" algn="l" defTabSz="800100">
+          <a:pPr marL="0" lvl="0" indent="0" algn="l" defTabSz="800100">
             <a:lnSpc>
               <a:spcPct val="90000"/>
             </a:lnSpc>
@@ -1583,9 +1555,10 @@
             <a:spcAft>
               <a:spcPct val="35000"/>
             </a:spcAft>
+            <a:buNone/>
           </a:pPr>
           <a:r>
-            <a:rPr lang="af-ZA" sz="1800" kern="1200" dirty="0" smtClean="0">
+            <a:rPr lang="af-ZA" sz="1800" kern="1200" dirty="0">
               <a:effectLst>
                 <a:outerShdw blurRad="38100" dist="38100" dir="2700000" algn="tl">
                   <a:srgbClr val="000000">
@@ -1694,7 +1667,7 @@
         </a:bodyPr>
         <a:lstStyle/>
         <a:p>
-          <a:pPr lvl="0" algn="l" defTabSz="800100">
+          <a:pPr marL="0" lvl="0" indent="0" algn="l" defTabSz="800100">
             <a:lnSpc>
               <a:spcPct val="90000"/>
             </a:lnSpc>
@@ -1704,9 +1677,10 @@
             <a:spcAft>
               <a:spcPct val="35000"/>
             </a:spcAft>
+            <a:buNone/>
           </a:pPr>
           <a:r>
-            <a:rPr lang="en-US" sz="1800" b="0" i="0" u="none" kern="1200" dirty="0" smtClean="0">
+            <a:rPr lang="en-US" sz="1800" b="0" i="0" u="none" kern="1200" dirty="0">
               <a:effectLst>
                 <a:outerShdw blurRad="38100" dist="38100" dir="2700000" algn="tl">
                   <a:srgbClr val="000000">
@@ -1719,7 +1693,7 @@
             <a:t> Work on the project</a:t>
           </a:r>
           <a:r>
-            <a:rPr lang="en-US" sz="900" b="0" i="0" kern="1200" dirty="0" smtClean="0">
+            <a:rPr lang="en-US" sz="900" b="0" i="0" kern="1200" dirty="0">
               <a:effectLst>
                 <a:outerShdw blurRad="38100" dist="38100" dir="2700000" algn="tl">
                   <a:srgbClr val="000000">
@@ -1826,7 +1800,7 @@
         </a:bodyPr>
         <a:lstStyle/>
         <a:p>
-          <a:pPr lvl="0" algn="l" defTabSz="800100">
+          <a:pPr marL="0" lvl="0" indent="0" algn="l" defTabSz="800100">
             <a:lnSpc>
               <a:spcPct val="90000"/>
             </a:lnSpc>
@@ -1836,9 +1810,10 @@
             <a:spcAft>
               <a:spcPct val="35000"/>
             </a:spcAft>
+            <a:buNone/>
           </a:pPr>
           <a:r>
-            <a:rPr lang="en-US" sz="1800" b="0" i="0" u="none" kern="1200" dirty="0" smtClean="0">
+            <a:rPr lang="en-US" sz="1800" b="0" i="0" u="none" kern="1200" dirty="0">
               <a:effectLst>
                 <a:outerShdw blurRad="38100" dist="38100" dir="2700000" algn="tl">
                   <a:srgbClr val="000000">
@@ -1851,7 +1826,7 @@
             <a:t> Testing             and debugging</a:t>
           </a:r>
           <a:r>
-            <a:rPr lang="en-US" sz="1800" b="0" i="0" kern="1200" dirty="0" smtClean="0">
+            <a:rPr lang="en-US" sz="1800" b="0" i="0" kern="1200" dirty="0">
               <a:effectLst>
                 <a:outerShdw blurRad="38100" dist="38100" dir="2700000" algn="tl">
                   <a:srgbClr val="000000">
@@ -7482,7 +7457,7 @@
               <a:buNone/>
             </a:pPr>
             <a:r>
-              <a:rPr lang="af-ZA" sz="12000" b="1" dirty="0" smtClean="0">
+              <a:rPr lang="af-ZA" sz="12000" b="1" dirty="0">
                 <a:solidFill>
                   <a:schemeClr val="tx1"/>
                 </a:solidFill>
@@ -7562,13 +7537,6 @@
   <p:clrMapOvr>
     <a:masterClrMapping/>
   </p:clrMapOvr>
-  <p:timing>
-    <p:tnLst>
-      <p:par>
-        <p:cTn id="1" dur="indefinite" restart="never" nodeType="tmRoot"/>
-      </p:par>
-    </p:tnLst>
-  </p:timing>
 </p:sld>
 </file>
 
@@ -7612,7 +7580,7 @@
           <a:lstStyle/>
           <a:p>
             <a:r>
-              <a:rPr lang="en-US" sz="3600" b="1" dirty="0" smtClean="0">
+              <a:rPr lang="en-US" sz="3600" b="1" dirty="0">
                 <a:solidFill>
                   <a:schemeClr val="tx1"/>
                 </a:solidFill>
@@ -7620,12 +7588,6 @@
               </a:rPr>
               <a:t>Table of content :</a:t>
             </a:r>
-            <a:endParaRPr lang="en-US" sz="3600" b="1" dirty="0">
-              <a:solidFill>
-                <a:schemeClr val="tx1"/>
-              </a:solidFill>
-              <a:latin typeface="Georgia" pitchFamily="18" charset="0"/>
-            </a:endParaRPr>
           </a:p>
         </p:txBody>
       </p:sp>
@@ -7653,7 +7615,7 @@
           <a:p>
             <a:pPr algn="ctr"/>
             <a:r>
-              <a:rPr lang="en-US" sz="2400" dirty="0" smtClean="0">
+              <a:rPr lang="en-US" sz="2400" dirty="0">
                 <a:solidFill>
                   <a:schemeClr val="tx1"/>
                 </a:solidFill>
@@ -7674,7 +7636,7 @@
           <a:p>
             <a:pPr algn="ctr"/>
             <a:r>
-              <a:rPr lang="en-US" sz="2400" dirty="0" smtClean="0">
+              <a:rPr lang="en-US" sz="2400" dirty="0">
                 <a:solidFill>
                   <a:schemeClr val="tx1"/>
                 </a:solidFill>
@@ -7695,7 +7657,7 @@
           <a:p>
             <a:pPr algn="ctr"/>
             <a:r>
-              <a:rPr lang="en-US" sz="2400" dirty="0" smtClean="0">
+              <a:rPr lang="en-US" sz="2400" dirty="0">
                 <a:solidFill>
                   <a:schemeClr val="tx1"/>
                 </a:solidFill>
@@ -7716,7 +7678,7 @@
           <a:p>
             <a:pPr algn="ctr"/>
             <a:r>
-              <a:rPr lang="en-US" sz="2400" dirty="0" smtClean="0">
+              <a:rPr lang="en-US" sz="2400" dirty="0">
                 <a:solidFill>
                   <a:schemeClr val="tx1"/>
                 </a:solidFill>
@@ -7737,7 +7699,7 @@
           <a:p>
             <a:pPr algn="ctr"/>
             <a:r>
-              <a:rPr lang="en-US" sz="2400" dirty="0" smtClean="0">
+              <a:rPr lang="en-US" sz="2400" dirty="0">
                 <a:solidFill>
                   <a:schemeClr val="tx1"/>
                 </a:solidFill>
@@ -7748,7 +7710,7 @@
           </a:p>
           <a:p>
             <a:pPr algn="ctr"/>
-            <a:endParaRPr lang="en-US" dirty="0" smtClean="0">
+            <a:endParaRPr lang="en-US" dirty="0">
               <a:solidFill>
                 <a:schemeClr val="tx1"/>
               </a:solidFill>
@@ -7766,13 +7728,6 @@
   <p:clrMapOvr>
     <a:masterClrMapping/>
   </p:clrMapOvr>
-  <p:timing>
-    <p:tnLst>
-      <p:par>
-        <p:cTn id="1" dur="indefinite" restart="never" nodeType="tmRoot"/>
-      </p:par>
-    </p:tnLst>
-  </p:timing>
 </p:sld>
 </file>
 
@@ -7814,7 +7769,7 @@
           <a:lstStyle/>
           <a:p>
             <a:r>
-              <a:rPr lang="af-ZA" sz="4000" b="1" dirty="0" smtClean="0">
+              <a:rPr lang="af-ZA" sz="4000" b="1" dirty="0">
                 <a:latin typeface="Georgia" pitchFamily="18" charset="0"/>
               </a:rPr>
               <a:t>01. Our Team</a:t>
@@ -7903,7 +7858,7 @@
           <a:p>
             <a:pPr algn="ctr"/>
             <a:r>
-              <a:rPr lang="af-ZA" b="1" dirty="0" smtClean="0">
+              <a:rPr lang="af-ZA" b="1" dirty="0">
                 <a:solidFill>
                   <a:schemeClr val="tx1"/>
                 </a:solidFill>
@@ -7915,7 +7870,7 @@
           <a:p>
             <a:pPr algn="ctr"/>
             <a:r>
-              <a:rPr lang="af-ZA" dirty="0" smtClean="0">
+              <a:rPr lang="af-ZA" dirty="0">
                 <a:solidFill>
                   <a:schemeClr val="tx1"/>
                 </a:solidFill>
@@ -7924,7 +7879,7 @@
               <a:t> </a:t>
             </a:r>
             <a:r>
-              <a:rPr lang="af-ZA" sz="1200" dirty="0" smtClean="0">
+              <a:rPr lang="af-ZA" sz="1200" dirty="0">
                 <a:solidFill>
                   <a:schemeClr val="tx1"/>
                 </a:solidFill>
@@ -7936,7 +7891,7 @@
           <a:p>
             <a:pPr algn="ctr"/>
             <a:r>
-              <a:rPr lang="af-ZA" sz="1200" dirty="0" smtClean="0">
+              <a:rPr lang="af-ZA" sz="1200" dirty="0">
                 <a:solidFill>
                   <a:schemeClr val="tx1"/>
                 </a:solidFill>
@@ -7977,7 +7932,7 @@
           <a:p>
             <a:pPr algn="ctr"/>
             <a:r>
-              <a:rPr lang="af-ZA" b="1" dirty="0" smtClean="0">
+              <a:rPr lang="af-ZA" b="1" dirty="0">
                 <a:solidFill>
                   <a:schemeClr val="tx1"/>
                 </a:solidFill>
@@ -7989,7 +7944,7 @@
           <a:p>
             <a:pPr algn="ctr"/>
             <a:r>
-              <a:rPr lang="af-ZA" sz="1200" dirty="0" smtClean="0">
+              <a:rPr lang="af-ZA" sz="1200" dirty="0">
                 <a:solidFill>
                   <a:schemeClr val="tx1"/>
                 </a:solidFill>
@@ -8046,7 +8001,7 @@
           <a:p>
             <a:pPr algn="ctr"/>
             <a:r>
-              <a:rPr lang="af-ZA" b="1" dirty="0" smtClean="0">
+              <a:rPr lang="af-ZA" b="1" dirty="0">
                 <a:solidFill>
                   <a:schemeClr val="tx1"/>
                 </a:solidFill>
@@ -8058,7 +8013,7 @@
           <a:p>
             <a:pPr algn="ctr"/>
             <a:r>
-              <a:rPr lang="af-ZA" sz="1200" dirty="0" smtClean="0">
+              <a:rPr lang="af-ZA" sz="1200" dirty="0">
                 <a:solidFill>
                   <a:schemeClr val="tx1"/>
                 </a:solidFill>
@@ -8070,22 +8025,13 @@
           <a:p>
             <a:pPr algn="ctr"/>
             <a:r>
-              <a:rPr lang="en-US" sz="1200" dirty="0" smtClean="0">
-                <a:solidFill>
-                  <a:schemeClr val="tx1"/>
-                </a:solidFill>
-                <a:latin typeface="Georgia" pitchFamily="18" charset="0"/>
-              </a:rPr>
-              <a:t>Backend </a:t>
-            </a:r>
-            <a:r>
               <a:rPr lang="en-US" sz="1200" dirty="0">
                 <a:solidFill>
                   <a:schemeClr val="tx1"/>
                 </a:solidFill>
                 <a:latin typeface="Georgia" pitchFamily="18" charset="0"/>
               </a:rPr>
-              <a:t>Developer</a:t>
+              <a:t>Backend Developer</a:t>
             </a:r>
             <a:r>
               <a:rPr lang="en-US" dirty="0"/>
@@ -8118,7 +8064,7 @@
           <a:p>
             <a:pPr algn="ctr"/>
             <a:r>
-              <a:rPr lang="af-ZA" b="1" dirty="0" smtClean="0">
+              <a:rPr lang="af-ZA" b="1" dirty="0">
                 <a:solidFill>
                   <a:schemeClr val="tx1"/>
                 </a:solidFill>
@@ -8130,7 +8076,7 @@
           <a:p>
             <a:pPr algn="ctr"/>
             <a:r>
-              <a:rPr lang="af-ZA" sz="1200" dirty="0" smtClean="0">
+              <a:rPr lang="af-ZA" sz="1200" dirty="0">
                 <a:solidFill>
                   <a:schemeClr val="tx1"/>
                 </a:solidFill>
@@ -8253,13 +8199,6 @@
   <p:clrMapOvr>
     <a:masterClrMapping/>
   </p:clrMapOvr>
-  <p:timing>
-    <p:tnLst>
-      <p:par>
-        <p:cTn id="1" dur="indefinite" restart="never" nodeType="tmRoot"/>
-      </p:par>
-    </p:tnLst>
-  </p:timing>
 </p:sld>
 </file>
 
@@ -8303,7 +8242,7 @@
           <a:lstStyle/>
           <a:p>
             <a:r>
-              <a:rPr lang="af-ZA" sz="6600" b="1" dirty="0" smtClean="0">
+              <a:rPr lang="af-ZA" sz="6600" b="1" dirty="0">
                 <a:solidFill>
                   <a:schemeClr val="tx1"/>
                 </a:solidFill>
@@ -8344,13 +8283,6 @@
   <p:clrMapOvr>
     <a:masterClrMapping/>
   </p:clrMapOvr>
-  <p:timing>
-    <p:tnLst>
-      <p:par>
-        <p:cTn id="1" dur="indefinite" restart="never" nodeType="tmRoot"/>
-      </p:par>
-    </p:tnLst>
-  </p:timing>
 </p:sld>
 </file>
 
@@ -8392,17 +8324,17 @@
           <a:lstStyle/>
           <a:p>
             <a:r>
-              <a:rPr lang="af-ZA" sz="4000" b="1" dirty="0" smtClean="0">
+              <a:rPr lang="af-ZA" sz="4000" b="1" dirty="0">
                 <a:latin typeface="Georgia" pitchFamily="18" charset="0"/>
               </a:rPr>
               <a:t>03.Stage</a:t>
             </a:r>
             <a:r>
-              <a:rPr lang="af-ZA" sz="4000" b="1" dirty="0" smtClean="0"/>
+              <a:rPr lang="af-ZA" sz="4000" b="1" dirty="0"/>
               <a:t> </a:t>
             </a:r>
             <a:r>
-              <a:rPr lang="af-ZA" sz="4000" b="1" dirty="0" smtClean="0">
+              <a:rPr lang="af-ZA" sz="4000" b="1" dirty="0">
                 <a:latin typeface="Georgia" pitchFamily="18" charset="0"/>
               </a:rPr>
               <a:t>of creation:</a:t>
@@ -8445,13 +8377,6 @@
   <p:clrMapOvr>
     <a:masterClrMapping/>
   </p:clrMapOvr>
-  <p:timing>
-    <p:tnLst>
-      <p:par>
-        <p:cTn id="1" dur="indefinite" restart="never" nodeType="tmRoot"/>
-      </p:par>
-    </p:tnLst>
-  </p:timing>
 </p:sld>
 </file>
 
@@ -8495,7 +8420,7 @@
           <a:lstStyle/>
           <a:p>
             <a:r>
-              <a:rPr lang="en-US" sz="4000" b="1" dirty="0" smtClean="0">
+              <a:rPr lang="en-US" sz="4000" b="1" dirty="0">
                 <a:solidFill>
                   <a:schemeClr val="tx1"/>
                 </a:solidFill>
@@ -8504,18 +8429,13 @@
               <a:t>04.Technologies:</a:t>
             </a:r>
             <a:r>
-              <a:rPr lang="en-US" sz="1800" dirty="0" smtClean="0">
+              <a:rPr lang="en-US" sz="1800" dirty="0">
                 <a:solidFill>
                   <a:schemeClr val="tx1"/>
                 </a:solidFill>
               </a:rPr>
               <a:t>​</a:t>
             </a:r>
-            <a:endParaRPr lang="en-US" sz="1800" dirty="0">
-              <a:solidFill>
-                <a:schemeClr val="tx1"/>
-              </a:solidFill>
-            </a:endParaRPr>
           </a:p>
         </p:txBody>
       </p:sp>
@@ -8599,7 +8519,13 @@
       </p:sp>
       <p:pic>
         <p:nvPicPr>
-          <p:cNvPr id="16" name="Picture 15"/>
+          <p:cNvPr id="14" name="Picture 15">
+            <a:extLst>
+              <a:ext uri="{FF2B5EF4-FFF2-40B4-BE49-F238E27FC236}">
+                <a16:creationId xmlns:a16="http://schemas.microsoft.com/office/drawing/2014/main" id="{3D1799E2-8499-EE35-C699-941EA051F66E}"/>
+              </a:ext>
+            </a:extLst>
+          </p:cNvPr>
           <p:cNvPicPr>
             <a:picLocks noChangeAspect="1"/>
           </p:cNvPicPr>
@@ -8618,7 +8544,7 @@
         </p:blipFill>
         <p:spPr>
           <a:xfrm>
-            <a:off x="666099" y="1435901"/>
+            <a:off x="677450" y="1624947"/>
             <a:ext cx="1043050" cy="1000504"/>
           </a:xfrm>
           <a:prstGeom prst="ellipse">
@@ -8628,7 +8554,13 @@
       </p:pic>
       <p:pic>
         <p:nvPicPr>
-          <p:cNvPr id="17" name="Picture 16"/>
+          <p:cNvPr id="15" name="Picture 16">
+            <a:extLst>
+              <a:ext uri="{FF2B5EF4-FFF2-40B4-BE49-F238E27FC236}">
+                <a16:creationId xmlns:a16="http://schemas.microsoft.com/office/drawing/2014/main" id="{79ABD4B1-20EC-06E5-8237-358D8DC17F63}"/>
+              </a:ext>
+            </a:extLst>
+          </p:cNvPr>
           <p:cNvPicPr>
             <a:picLocks noChangeAspect="1"/>
           </p:cNvPicPr>
@@ -8648,7 +8580,7 @@
         </p:blipFill>
         <p:spPr>
           <a:xfrm>
-            <a:off x="2771800" y="1374592"/>
+            <a:off x="2783151" y="1563638"/>
             <a:ext cx="1061033" cy="1061033"/>
           </a:xfrm>
           <a:prstGeom prst="rect">
@@ -8658,7 +8590,13 @@
       </p:pic>
       <p:pic>
         <p:nvPicPr>
-          <p:cNvPr id="2056" name="Picture 8" descr="Visual Studio Code - Download and install on Windows | Microsoft Store"/>
+          <p:cNvPr id="18" name="Picture 8" descr="Visual Studio Code - Download and install on Windows | Microsoft Store">
+            <a:extLst>
+              <a:ext uri="{FF2B5EF4-FFF2-40B4-BE49-F238E27FC236}">
+                <a16:creationId xmlns:a16="http://schemas.microsoft.com/office/drawing/2014/main" id="{B428C21D-F63B-7FD5-CD7B-18C920471FA6}"/>
+              </a:ext>
+            </a:extLst>
+          </p:cNvPr>
           <p:cNvPicPr>
             <a:picLocks noChangeAspect="1" noChangeArrowheads="1"/>
           </p:cNvPicPr>
@@ -8679,8 +8617,8 @@
         </p:blipFill>
         <p:spPr bwMode="auto">
           <a:xfrm>
-            <a:off x="4742262" y="1375801"/>
-            <a:ext cx="1060604" cy="1060604"/>
+            <a:off x="4134294" y="3546542"/>
+            <a:ext cx="898114" cy="898114"/>
           </a:xfrm>
           <a:prstGeom prst="rect">
             <a:avLst/>
@@ -8699,7 +8637,13 @@
       </p:pic>
       <p:pic>
         <p:nvPicPr>
-          <p:cNvPr id="2058" name="Picture 10" descr="Microsoft Teams - Wikipedia"/>
+          <p:cNvPr id="19" name="Picture 10" descr="Microsoft Teams - Wikipedia">
+            <a:extLst>
+              <a:ext uri="{FF2B5EF4-FFF2-40B4-BE49-F238E27FC236}">
+                <a16:creationId xmlns:a16="http://schemas.microsoft.com/office/drawing/2014/main" id="{D68DF38A-482D-6283-2F09-E72428453DA3}"/>
+              </a:ext>
+            </a:extLst>
+          </p:cNvPr>
           <p:cNvPicPr>
             <a:picLocks noChangeAspect="1" noChangeArrowheads="1"/>
           </p:cNvPicPr>
@@ -8720,8 +8664,8 @@
         </p:blipFill>
         <p:spPr bwMode="auto">
           <a:xfrm>
-            <a:off x="7046344" y="3215527"/>
-            <a:ext cx="1034358" cy="962816"/>
+            <a:off x="6151311" y="3577602"/>
+            <a:ext cx="898114" cy="835995"/>
           </a:xfrm>
           <a:prstGeom prst="rect">
             <a:avLst/>
@@ -8740,7 +8684,13 @@
       </p:pic>
       <p:pic>
         <p:nvPicPr>
-          <p:cNvPr id="2063" name="Picture 15"/>
+          <p:cNvPr id="20" name="Picture 15">
+            <a:extLst>
+              <a:ext uri="{FF2B5EF4-FFF2-40B4-BE49-F238E27FC236}">
+                <a16:creationId xmlns:a16="http://schemas.microsoft.com/office/drawing/2014/main" id="{ED41DB9E-831E-7A96-CEB3-467E274488CA}"/>
+              </a:ext>
+            </a:extLst>
+          </p:cNvPr>
           <p:cNvPicPr>
             <a:picLocks noChangeAspect="1" noChangeArrowheads="1"/>
           </p:cNvPicPr>
@@ -8761,7 +8711,7 @@
         </p:blipFill>
         <p:spPr bwMode="auto">
           <a:xfrm>
-            <a:off x="7020272" y="1403917"/>
+            <a:off x="7031623" y="1592963"/>
             <a:ext cx="1107874" cy="1031708"/>
           </a:xfrm>
           <a:prstGeom prst="rect">
@@ -8804,7 +8754,13 @@
       </p:pic>
       <p:pic>
         <p:nvPicPr>
-          <p:cNvPr id="2065" name="Picture 17" descr="File:Figma-logo.svg - Wikimedia Commons"/>
+          <p:cNvPr id="21" name="Picture 17">
+            <a:extLst>
+              <a:ext uri="{FF2B5EF4-FFF2-40B4-BE49-F238E27FC236}">
+                <a16:creationId xmlns:a16="http://schemas.microsoft.com/office/drawing/2014/main" id="{362ADF2F-0E0E-BB8D-B9D2-4AB751C2A6B2}"/>
+              </a:ext>
+            </a:extLst>
+          </p:cNvPr>
           <p:cNvPicPr>
             <a:picLocks noChangeAspect="1" noChangeArrowheads="1"/>
           </p:cNvPicPr>
@@ -8825,8 +8781,8 @@
         </p:blipFill>
         <p:spPr bwMode="auto">
           <a:xfrm>
-            <a:off x="2963328" y="2851373"/>
-            <a:ext cx="869505" cy="1304256"/>
+            <a:off x="7967727" y="3577602"/>
+            <a:ext cx="598743" cy="898114"/>
           </a:xfrm>
           <a:prstGeom prst="rect">
             <a:avLst/>
@@ -8845,7 +8801,13 @@
       </p:pic>
       <p:pic>
         <p:nvPicPr>
-          <p:cNvPr id="2067" name="Picture 19" descr="Free Html 5 Icon - Free Download Logos Icons | IconScout"/>
+          <p:cNvPr id="22" name="Picture 19" descr="Free Html 5 Icon - Free Download Logos Icons | IconScout">
+            <a:extLst>
+              <a:ext uri="{FF2B5EF4-FFF2-40B4-BE49-F238E27FC236}">
+                <a16:creationId xmlns:a16="http://schemas.microsoft.com/office/drawing/2014/main" id="{D14B5A00-FB1C-2D20-ABC2-D2C84391B9BD}"/>
+              </a:ext>
+            </a:extLst>
+          </p:cNvPr>
           <p:cNvPicPr>
             <a:picLocks noChangeAspect="1" noChangeArrowheads="1"/>
           </p:cNvPicPr>
@@ -8866,8 +8828,8 @@
         </p:blipFill>
         <p:spPr bwMode="auto">
           <a:xfrm>
-            <a:off x="4860032" y="3059284"/>
-            <a:ext cx="1096345" cy="1096345"/>
+            <a:off x="2242869" y="3628185"/>
+            <a:ext cx="847531" cy="847531"/>
           </a:xfrm>
           <a:prstGeom prst="rect">
             <a:avLst/>
@@ -8886,7 +8848,13 @@
       </p:pic>
       <p:pic>
         <p:nvPicPr>
-          <p:cNvPr id="2069" name="Picture 21" descr="CSS3 color icon in PNG, SVG"/>
+          <p:cNvPr id="23" name="Picture 21" descr="CSS3 color icon in PNG, SVG">
+            <a:extLst>
+              <a:ext uri="{FF2B5EF4-FFF2-40B4-BE49-F238E27FC236}">
+                <a16:creationId xmlns:a16="http://schemas.microsoft.com/office/drawing/2014/main" id="{A7CDA607-4829-B54E-D37C-F864D283025F}"/>
+              </a:ext>
+            </a:extLst>
+          </p:cNvPr>
           <p:cNvPicPr>
             <a:picLocks noChangeAspect="1" noChangeArrowheads="1"/>
           </p:cNvPicPr>
@@ -8907,8 +8875,8 @@
         </p:blipFill>
         <p:spPr bwMode="auto">
           <a:xfrm>
-            <a:off x="467544" y="2843618"/>
-            <a:ext cx="1474955" cy="1474955"/>
+            <a:off x="376476" y="3546542"/>
+            <a:ext cx="1058284" cy="1058284"/>
           </a:xfrm>
           <a:prstGeom prst="rect">
             <a:avLst/>
@@ -8925,6 +8893,37 @@
           </a:extLst>
         </p:spPr>
       </p:pic>
+      <p:pic>
+        <p:nvPicPr>
+          <p:cNvPr id="24" name="Картина 23">
+            <a:extLst>
+              <a:ext uri="{FF2B5EF4-FFF2-40B4-BE49-F238E27FC236}">
+                <a16:creationId xmlns:a16="http://schemas.microsoft.com/office/drawing/2014/main" id="{D8BD77A7-A100-981A-1FCD-2D6889524336}"/>
+              </a:ext>
+            </a:extLst>
+          </p:cNvPr>
+          <p:cNvPicPr>
+            <a:picLocks noChangeAspect="1"/>
+          </p:cNvPicPr>
+          <p:nvPr/>
+        </p:nvPicPr>
+        <p:blipFill>
+          <a:blip r:embed="rId10"/>
+          <a:stretch>
+            <a:fillRect/>
+          </a:stretch>
+        </p:blipFill>
+        <p:spPr>
+          <a:xfrm>
+            <a:off x="4427984" y="1563638"/>
+            <a:ext cx="1916632" cy="1079185"/>
+          </a:xfrm>
+          <a:prstGeom prst="rect">
+            <a:avLst/>
+          </a:prstGeom>
+          <a:noFill/>
+        </p:spPr>
+      </p:pic>
     </p:spTree>
     <p:extLst>
       <p:ext uri="{BB962C8B-B14F-4D97-AF65-F5344CB8AC3E}">
@@ -8935,13 +8934,6 @@
   <p:clrMapOvr>
     <a:masterClrMapping/>
   </p:clrMapOvr>
-  <p:timing>
-    <p:tnLst>
-      <p:par>
-        <p:cTn id="1" dur="indefinite" restart="never" nodeType="tmRoot"/>
-      </p:par>
-    </p:tnLst>
-  </p:timing>
 </p:sld>
 </file>
 
@@ -8987,14 +8979,62 @@
                 <a:tableStyleId>{468F07DF-B9BF-4A15-8B87-54536659AE54}</a:tableStyleId>
               </a:tblPr>
               <a:tblGrid>
-                <a:gridCol w="1125125"/>
-                <a:gridCol w="1125125"/>
-                <a:gridCol w="1125125"/>
-                <a:gridCol w="1125125"/>
-                <a:gridCol w="1125125"/>
-                <a:gridCol w="1125125"/>
-                <a:gridCol w="1125125"/>
-                <a:gridCol w="1125125"/>
+                <a:gridCol w="1125125">
+                  <a:extLst>
+                    <a:ext uri="{9D8B030D-6E8A-4147-A177-3AD203B41FA5}">
+                      <a16:colId xmlns:a16="http://schemas.microsoft.com/office/drawing/2014/main" val="20000"/>
+                    </a:ext>
+                  </a:extLst>
+                </a:gridCol>
+                <a:gridCol w="1125125">
+                  <a:extLst>
+                    <a:ext uri="{9D8B030D-6E8A-4147-A177-3AD203B41FA5}">
+                      <a16:colId xmlns:a16="http://schemas.microsoft.com/office/drawing/2014/main" val="20001"/>
+                    </a:ext>
+                  </a:extLst>
+                </a:gridCol>
+                <a:gridCol w="1125125">
+                  <a:extLst>
+                    <a:ext uri="{9D8B030D-6E8A-4147-A177-3AD203B41FA5}">
+                      <a16:colId xmlns:a16="http://schemas.microsoft.com/office/drawing/2014/main" val="20002"/>
+                    </a:ext>
+                  </a:extLst>
+                </a:gridCol>
+                <a:gridCol w="1125125">
+                  <a:extLst>
+                    <a:ext uri="{9D8B030D-6E8A-4147-A177-3AD203B41FA5}">
+                      <a16:colId xmlns:a16="http://schemas.microsoft.com/office/drawing/2014/main" val="20003"/>
+                    </a:ext>
+                  </a:extLst>
+                </a:gridCol>
+                <a:gridCol w="1125125">
+                  <a:extLst>
+                    <a:ext uri="{9D8B030D-6E8A-4147-A177-3AD203B41FA5}">
+                      <a16:colId xmlns:a16="http://schemas.microsoft.com/office/drawing/2014/main" val="20004"/>
+                    </a:ext>
+                  </a:extLst>
+                </a:gridCol>
+                <a:gridCol w="1125125">
+                  <a:extLst>
+                    <a:ext uri="{9D8B030D-6E8A-4147-A177-3AD203B41FA5}">
+                      <a16:colId xmlns:a16="http://schemas.microsoft.com/office/drawing/2014/main" val="20005"/>
+                    </a:ext>
+                  </a:extLst>
+                </a:gridCol>
+                <a:gridCol w="1125125">
+                  <a:extLst>
+                    <a:ext uri="{9D8B030D-6E8A-4147-A177-3AD203B41FA5}">
+                      <a16:colId xmlns:a16="http://schemas.microsoft.com/office/drawing/2014/main" val="20006"/>
+                    </a:ext>
+                  </a:extLst>
+                </a:gridCol>
+                <a:gridCol w="1125125">
+                  <a:extLst>
+                    <a:ext uri="{9D8B030D-6E8A-4147-A177-3AD203B41FA5}">
+                      <a16:colId xmlns:a16="http://schemas.microsoft.com/office/drawing/2014/main" val="20007"/>
+                    </a:ext>
+                  </a:extLst>
+                </a:gridCol>
               </a:tblGrid>
               <a:tr h="370840">
                 <a:tc>
@@ -9003,7 +9043,7 @@
                     <a:lstStyle/>
                     <a:p>
                       <a:r>
-                        <a:rPr lang="af-ZA" dirty="0" smtClean="0">
+                        <a:rPr lang="af-ZA" dirty="0">
                           <a:solidFill>
                             <a:schemeClr val="tx1"/>
                           </a:solidFill>
@@ -9027,7 +9067,7 @@
                     <a:lstStyle/>
                     <a:p>
                       <a:r>
-                        <a:rPr lang="af-ZA" dirty="0" smtClean="0">
+                        <a:rPr lang="af-ZA" dirty="0">
                           <a:solidFill>
                             <a:schemeClr val="tx1"/>
                           </a:solidFill>
@@ -9051,7 +9091,7 @@
                     <a:lstStyle/>
                     <a:p>
                       <a:r>
-                        <a:rPr lang="af-ZA" dirty="0" smtClean="0">
+                        <a:rPr lang="af-ZA" dirty="0">
                           <a:solidFill>
                             <a:schemeClr val="tx1"/>
                           </a:solidFill>
@@ -9075,7 +9115,7 @@
                     <a:lstStyle/>
                     <a:p>
                       <a:r>
-                        <a:rPr lang="af-ZA" dirty="0" smtClean="0">
+                        <a:rPr lang="af-ZA" dirty="0">
                           <a:solidFill>
                             <a:schemeClr val="tx1"/>
                           </a:solidFill>
@@ -9099,7 +9139,7 @@
                     <a:lstStyle/>
                     <a:p>
                       <a:r>
-                        <a:rPr lang="af-ZA" dirty="0" smtClean="0">
+                        <a:rPr lang="af-ZA" dirty="0">
                           <a:solidFill>
                             <a:schemeClr val="tx1"/>
                           </a:solidFill>
@@ -9123,7 +9163,7 @@
                     <a:lstStyle/>
                     <a:p>
                       <a:r>
-                        <a:rPr lang="af-ZA" dirty="0" smtClean="0">
+                        <a:rPr lang="af-ZA" dirty="0">
                           <a:solidFill>
                             <a:schemeClr val="tx1"/>
                           </a:solidFill>
@@ -9147,7 +9187,7 @@
                     <a:lstStyle/>
                     <a:p>
                       <a:r>
-                        <a:rPr lang="af-ZA" dirty="0" smtClean="0">
+                        <a:rPr lang="af-ZA" dirty="0">
                           <a:solidFill>
                             <a:schemeClr val="tx1"/>
                           </a:solidFill>
@@ -9171,7 +9211,7 @@
                     <a:lstStyle/>
                     <a:p>
                       <a:r>
-                        <a:rPr lang="af-ZA" dirty="0" smtClean="0">
+                        <a:rPr lang="af-ZA" dirty="0">
                           <a:solidFill>
                             <a:schemeClr val="tx1"/>
                           </a:solidFill>
@@ -9189,6 +9229,11 @@
                   </a:txBody>
                   <a:tcPr/>
                 </a:tc>
+                <a:extLst>
+                  <a:ext uri="{0D108BD9-81ED-4DB2-BD59-A6C34878D82A}">
+                    <a16:rowId xmlns:a16="http://schemas.microsoft.com/office/drawing/2014/main" val="10000"/>
+                  </a:ext>
+                </a:extLst>
               </a:tr>
               <a:tr h="370840">
                 <a:tc>
@@ -9197,7 +9242,7 @@
                     <a:lstStyle/>
                     <a:p>
                       <a:r>
-                        <a:rPr lang="af-ZA" dirty="0" smtClean="0">
+                        <a:rPr lang="af-ZA" dirty="0">
                           <a:solidFill>
                             <a:schemeClr val="tx1"/>
                           </a:solidFill>
@@ -9208,7 +9253,7 @@
                     </a:p>
                     <a:p>
                       <a:r>
-                        <a:rPr lang="af-ZA" dirty="0" smtClean="0">
+                        <a:rPr lang="af-ZA" dirty="0">
                           <a:solidFill>
                             <a:schemeClr val="tx1"/>
                           </a:solidFill>
@@ -9325,6 +9370,11 @@
                   </a:txBody>
                   <a:tcPr/>
                 </a:tc>
+                <a:extLst>
+                  <a:ext uri="{0D108BD9-81ED-4DB2-BD59-A6C34878D82A}">
+                    <a16:rowId xmlns:a16="http://schemas.microsoft.com/office/drawing/2014/main" val="10001"/>
+                  </a:ext>
+                </a:extLst>
               </a:tr>
               <a:tr h="370840">
                 <a:tc>
@@ -9333,7 +9383,7 @@
                     <a:lstStyle/>
                     <a:p>
                       <a:r>
-                        <a:rPr lang="af-ZA" dirty="0" smtClean="0">
+                        <a:rPr lang="af-ZA" dirty="0">
                           <a:solidFill>
                             <a:schemeClr val="tx1"/>
                           </a:solidFill>
@@ -9344,7 +9394,7 @@
                     </a:p>
                     <a:p>
                       <a:r>
-                        <a:rPr lang="af-ZA" dirty="0" smtClean="0">
+                        <a:rPr lang="af-ZA" dirty="0">
                           <a:solidFill>
                             <a:schemeClr val="tx1"/>
                           </a:solidFill>
@@ -9467,6 +9517,11 @@
                   </a:txBody>
                   <a:tcPr/>
                 </a:tc>
+                <a:extLst>
+                  <a:ext uri="{0D108BD9-81ED-4DB2-BD59-A6C34878D82A}">
+                    <a16:rowId xmlns:a16="http://schemas.microsoft.com/office/drawing/2014/main" val="10002"/>
+                  </a:ext>
+                </a:extLst>
               </a:tr>
               <a:tr h="370840">
                 <a:tc>
@@ -9475,7 +9530,7 @@
                     <a:lstStyle/>
                     <a:p>
                       <a:r>
-                        <a:rPr lang="af-ZA" dirty="0" smtClean="0">
+                        <a:rPr lang="af-ZA" dirty="0">
                           <a:solidFill>
                             <a:schemeClr val="tx1"/>
                           </a:solidFill>
@@ -9486,7 +9541,7 @@
                     </a:p>
                     <a:p>
                       <a:r>
-                        <a:rPr lang="af-ZA" dirty="0" smtClean="0">
+                        <a:rPr lang="af-ZA" dirty="0">
                           <a:solidFill>
                             <a:schemeClr val="tx1"/>
                           </a:solidFill>
@@ -9609,6 +9664,11 @@
                   </a:txBody>
                   <a:tcPr/>
                 </a:tc>
+                <a:extLst>
+                  <a:ext uri="{0D108BD9-81ED-4DB2-BD59-A6C34878D82A}">
+                    <a16:rowId xmlns:a16="http://schemas.microsoft.com/office/drawing/2014/main" val="10003"/>
+                  </a:ext>
+                </a:extLst>
               </a:tr>
             </a:tbl>
           </a:graphicData>
@@ -10516,7 +10576,7 @@
           <a:lstStyle/>
           <a:p>
             <a:r>
-              <a:rPr lang="af-ZA" sz="3600" b="1" dirty="0" smtClean="0">
+              <a:rPr lang="af-ZA" sz="3600" b="1" dirty="0">
                 <a:solidFill>
                   <a:schemeClr val="tx1"/>
                 </a:solidFill>
@@ -10543,13 +10603,6 @@
   <p:clrMapOvr>
     <a:masterClrMapping/>
   </p:clrMapOvr>
-  <p:timing>
-    <p:tnLst>
-      <p:par>
-        <p:cTn id="1" dur="indefinite" restart="never" nodeType="tmRoot"/>
-      </p:par>
-    </p:tnLst>
-  </p:timing>
 </p:sld>
 </file>
 
@@ -10591,7 +10644,7 @@
           <a:lstStyle/>
           <a:p>
             <a:r>
-              <a:rPr lang="af-ZA" b="1" dirty="0" smtClean="0">
+              <a:rPr lang="af-ZA" b="1" dirty="0">
                 <a:effectLst>
                   <a:outerShdw blurRad="38100" dist="38100" dir="2700000" algn="tl">
                     <a:srgbClr val="000000">
@@ -10626,13 +10679,6 @@
   <p:clrMapOvr>
     <a:masterClrMapping/>
   </p:clrMapOvr>
-  <p:timing>
-    <p:tnLst>
-      <p:par>
-        <p:cTn id="1" dur="indefinite" restart="never" nodeType="tmRoot"/>
-      </p:par>
-    </p:tnLst>
-  </p:timing>
 </p:sld>
 </file>
 
